--- a/Бизнес-план детской игровой комнаты.pptx
+++ b/Бизнес-план детской игровой комнаты.pptx
@@ -6845,10 +6845,10 @@
       </p:sp>
       <p:pic>
         <p:nvPicPr>
-          <p:cNvPr id="11" name="Рисунок 10">
+          <p:cNvPr id="4" name="Рисунок 3">
             <a:extLst>
               <a:ext uri="{FF2B5EF4-FFF2-40B4-BE49-F238E27FC236}">
-                <a16:creationId xmlns:a16="http://schemas.microsoft.com/office/drawing/2014/main" id="{6629475C-4BBA-ACF1-50E8-EF2843E8C9F0}"/>
+                <a16:creationId xmlns:a16="http://schemas.microsoft.com/office/drawing/2014/main" id="{B15029CF-7ED9-C8F8-C68F-AA468E8EECEB}"/>
               </a:ext>
             </a:extLst>
           </p:cNvPr>
@@ -6865,8 +6865,8 @@
         </p:blipFill>
         <p:spPr>
           <a:xfrm>
-            <a:off x="2293824" y="1988587"/>
-            <a:ext cx="7604352" cy="4389294"/>
+            <a:off x="2627539" y="2115895"/>
+            <a:ext cx="6936921" cy="4457929"/>
           </a:xfrm>
           <a:prstGeom prst="rect">
             <a:avLst/>
